--- a/Status Updates/2014 02 28.pptx
+++ b/Status Updates/2014 02 28.pptx
@@ -11,6 +11,7 @@
     <p:sldId id="258" r:id="rId5"/>
     <p:sldId id="259" r:id="rId6"/>
     <p:sldId id="260" r:id="rId7"/>
+    <p:sldId id="262" r:id="rId8"/>
   </p:sldIdLst>
   <p:sldSz cx="9144000" cy="6858000" type="screen4x3"/>
   <p:notesSz cx="7010400" cy="9296400"/>
@@ -111,7 +112,7 @@
   </p:defaultTextStyle>
   <p:extLst>
     <p:ext uri="{EFAFB233-063F-42B5-8137-9DF3F51BA10A}">
-      <p15:sldGuideLst xmlns:p15="http://schemas.microsoft.com/office/powerpoint/2012/main" xmlns="">
+      <p15:sldGuideLst xmlns="" xmlns:p15="http://schemas.microsoft.com/office/powerpoint/2012/main">
         <p15:guide id="1" orient="horz" pos="2160">
           <p15:clr>
             <a:srgbClr val="A4A3A4"/>
@@ -322,7 +323,7 @@
           <a:p>
             <a:fld id="{B790700D-980F-41A9-9E1A-E28F7DB87F53}" type="datetimeFigureOut">
               <a:rPr lang="en-US" smtClean="0"/>
-              <a:t>2/27/2014</a:t>
+              <a:t>2/28/2014</a:t>
             </a:fld>
             <a:endParaRPr lang="en-US"/>
           </a:p>
@@ -487,7 +488,7 @@
           <a:p>
             <a:fld id="{B790700D-980F-41A9-9E1A-E28F7DB87F53}" type="datetimeFigureOut">
               <a:rPr lang="en-US" smtClean="0"/>
-              <a:t>2/27/2014</a:t>
+              <a:t>2/28/2014</a:t>
             </a:fld>
             <a:endParaRPr lang="en-US"/>
           </a:p>
@@ -662,7 +663,7 @@
           <a:p>
             <a:fld id="{B790700D-980F-41A9-9E1A-E28F7DB87F53}" type="datetimeFigureOut">
               <a:rPr lang="en-US" smtClean="0"/>
-              <a:t>2/27/2014</a:t>
+              <a:t>2/28/2014</a:t>
             </a:fld>
             <a:endParaRPr lang="en-US"/>
           </a:p>
@@ -827,7 +828,7 @@
           <a:p>
             <a:fld id="{B790700D-980F-41A9-9E1A-E28F7DB87F53}" type="datetimeFigureOut">
               <a:rPr lang="en-US" smtClean="0"/>
-              <a:t>2/27/2014</a:t>
+              <a:t>2/28/2014</a:t>
             </a:fld>
             <a:endParaRPr lang="en-US"/>
           </a:p>
@@ -1068,7 +1069,7 @@
           <a:p>
             <a:fld id="{B790700D-980F-41A9-9E1A-E28F7DB87F53}" type="datetimeFigureOut">
               <a:rPr lang="en-US" smtClean="0"/>
-              <a:t>2/27/2014</a:t>
+              <a:t>2/28/2014</a:t>
             </a:fld>
             <a:endParaRPr lang="en-US"/>
           </a:p>
@@ -1351,7 +1352,7 @@
           <a:p>
             <a:fld id="{B790700D-980F-41A9-9E1A-E28F7DB87F53}" type="datetimeFigureOut">
               <a:rPr lang="en-US" smtClean="0"/>
-              <a:t>2/27/2014</a:t>
+              <a:t>2/28/2014</a:t>
             </a:fld>
             <a:endParaRPr lang="en-US"/>
           </a:p>
@@ -1780,7 +1781,7 @@
           <a:p>
             <a:fld id="{B790700D-980F-41A9-9E1A-E28F7DB87F53}" type="datetimeFigureOut">
               <a:rPr lang="en-US" smtClean="0"/>
-              <a:t>2/27/2014</a:t>
+              <a:t>2/28/2014</a:t>
             </a:fld>
             <a:endParaRPr lang="en-US"/>
           </a:p>
@@ -1893,7 +1894,7 @@
           <a:p>
             <a:fld id="{B790700D-980F-41A9-9E1A-E28F7DB87F53}" type="datetimeFigureOut">
               <a:rPr lang="en-US" smtClean="0"/>
-              <a:t>2/27/2014</a:t>
+              <a:t>2/28/2014</a:t>
             </a:fld>
             <a:endParaRPr lang="en-US"/>
           </a:p>
@@ -1983,7 +1984,7 @@
           <a:p>
             <a:fld id="{B790700D-980F-41A9-9E1A-E28F7DB87F53}" type="datetimeFigureOut">
               <a:rPr lang="en-US" smtClean="0"/>
-              <a:t>2/27/2014</a:t>
+              <a:t>2/28/2014</a:t>
             </a:fld>
             <a:endParaRPr lang="en-US"/>
           </a:p>
@@ -2172,7 +2173,7 @@
           <a:p>
             <a:fld id="{B790700D-980F-41A9-9E1A-E28F7DB87F53}" type="datetimeFigureOut">
               <a:rPr lang="en-US" smtClean="0"/>
-              <a:t>2/27/2014</a:t>
+              <a:t>2/28/2014</a:t>
             </a:fld>
             <a:endParaRPr lang="en-US"/>
           </a:p>
@@ -2490,7 +2491,7 @@
           <a:p>
             <a:fld id="{B790700D-980F-41A9-9E1A-E28F7DB87F53}" type="datetimeFigureOut">
               <a:rPr lang="en-US" smtClean="0"/>
-              <a:t>2/27/2014</a:t>
+              <a:t>2/28/2014</a:t>
             </a:fld>
             <a:endParaRPr lang="en-US"/>
           </a:p>
@@ -2869,7 +2870,7 @@
           <a:p>
             <a:fld id="{B790700D-980F-41A9-9E1A-E28F7DB87F53}" type="datetimeFigureOut">
               <a:rPr lang="en-US" smtClean="0"/>
-              <a:t>2/27/2014</a:t>
+              <a:t>2/28/2014</a:t>
             </a:fld>
             <a:endParaRPr lang="en-US"/>
           </a:p>
@@ -8524,11 +8525,7 @@
             </a:r>
             <a:r>
               <a:rPr lang="en-US" sz="4000" dirty="0" smtClean="0"/>
-              <a:t>Relationship </a:t>
-            </a:r>
-            <a:r>
-              <a:rPr lang="en-US" sz="4000" dirty="0" smtClean="0"/>
-              <a:t>between object complexity and performance</a:t>
+              <a:t>Relationship between object complexity and performance</a:t>
             </a:r>
             <a:endParaRPr lang="en-US" sz="4000" dirty="0"/>
           </a:p>
@@ -8959,6 +8956,165 @@
     <p:extLst>
       <p:ext uri="{BB962C8B-B14F-4D97-AF65-F5344CB8AC3E}">
         <p14:creationId xmlns:p14="http://schemas.microsoft.com/office/powerpoint/2010/main" val="2022947753"/>
+      </p:ext>
+    </p:extLst>
+  </p:cSld>
+  <p:clrMapOvr>
+    <a:masterClrMapping/>
+  </p:clrMapOvr>
+</p:sld>
+</file>
+
+<file path=ppt/slides/slide7.xml><?xml version="1.0" encoding="utf-8"?>
+<p:sld xmlns:a="http://schemas.openxmlformats.org/drawingml/2006/main" xmlns:r="http://schemas.openxmlformats.org/officeDocument/2006/relationships" xmlns:p="http://schemas.openxmlformats.org/presentationml/2006/main">
+  <p:cSld>
+    <p:spTree>
+      <p:nvGrpSpPr>
+        <p:cNvPr id="1" name=""/>
+        <p:cNvGrpSpPr/>
+        <p:nvPr/>
+      </p:nvGrpSpPr>
+      <p:grpSpPr>
+        <a:xfrm>
+          <a:off x="0" y="0"/>
+          <a:ext cx="0" cy="0"/>
+          <a:chOff x="0" y="0"/>
+          <a:chExt cx="0" cy="0"/>
+        </a:xfrm>
+      </p:grpSpPr>
+      <p:sp>
+        <p:nvSpPr>
+          <p:cNvPr id="2" name="Title 1"/>
+          <p:cNvSpPr>
+            <a:spLocks noGrp="1"/>
+          </p:cNvSpPr>
+          <p:nvPr>
+            <p:ph type="title"/>
+          </p:nvPr>
+        </p:nvSpPr>
+        <p:spPr>
+          <a:xfrm>
+            <a:off x="152400" y="274638"/>
+            <a:ext cx="8229600" cy="1143000"/>
+          </a:xfrm>
+        </p:spPr>
+        <p:txBody>
+          <a:bodyPr/>
+          <a:lstStyle/>
+          <a:p>
+            <a:r>
+              <a:rPr lang="en-US" sz="3800" dirty="0" smtClean="0"/>
+              <a:t>Next Steps</a:t>
+            </a:r>
+            <a:endParaRPr lang="en-US" sz="3800" dirty="0"/>
+          </a:p>
+        </p:txBody>
+      </p:sp>
+      <p:sp>
+        <p:nvSpPr>
+          <p:cNvPr id="3" name="Content Placeholder 2"/>
+          <p:cNvSpPr>
+            <a:spLocks noGrp="1"/>
+          </p:cNvSpPr>
+          <p:nvPr>
+            <p:ph idx="1"/>
+          </p:nvPr>
+        </p:nvSpPr>
+        <p:spPr>
+          <a:xfrm>
+            <a:off x="457200" y="1295400"/>
+            <a:ext cx="7620000" cy="5105400"/>
+          </a:xfrm>
+        </p:spPr>
+        <p:txBody>
+          <a:bodyPr/>
+          <a:lstStyle/>
+          <a:p>
+            <a:r>
+              <a:rPr lang="en-US" dirty="0" smtClean="0"/>
+              <a:t>Test Plan</a:t>
+            </a:r>
+          </a:p>
+          <a:p>
+            <a:r>
+              <a:rPr lang="en-US" dirty="0" smtClean="0"/>
+              <a:t>Prototyping First Iteration</a:t>
+            </a:r>
+          </a:p>
+          <a:p>
+            <a:pPr lvl="1"/>
+            <a:r>
+              <a:rPr lang="en-US" dirty="0" smtClean="0"/>
+              <a:t>Preprocessing</a:t>
+            </a:r>
+          </a:p>
+          <a:p>
+            <a:pPr lvl="1"/>
+            <a:r>
+              <a:rPr lang="en-US" dirty="0" smtClean="0"/>
+              <a:t>Processing</a:t>
+            </a:r>
+          </a:p>
+          <a:p>
+            <a:pPr lvl="1"/>
+            <a:r>
+              <a:rPr lang="en-US" dirty="0" smtClean="0"/>
+              <a:t>Post Processing</a:t>
+            </a:r>
+          </a:p>
+          <a:p>
+            <a:pPr lvl="1"/>
+            <a:r>
+              <a:rPr lang="en-US" dirty="0" smtClean="0"/>
+              <a:t>Print Job Module</a:t>
+            </a:r>
+            <a:endParaRPr lang="en-US" dirty="0" smtClean="0"/>
+          </a:p>
+          <a:p>
+            <a:pPr lvl="1"/>
+            <a:r>
+              <a:rPr lang="en-US" dirty="0" smtClean="0"/>
+              <a:t>Database</a:t>
+            </a:r>
+          </a:p>
+          <a:p>
+            <a:pPr lvl="1"/>
+            <a:r>
+              <a:rPr lang="en-US" dirty="0" smtClean="0"/>
+              <a:t>Communications</a:t>
+            </a:r>
+            <a:endParaRPr lang="en-US" dirty="0" smtClean="0"/>
+          </a:p>
+          <a:p>
+            <a:r>
+              <a:rPr lang="en-US" dirty="0" smtClean="0"/>
+              <a:t>Prototyping Second Iteration</a:t>
+            </a:r>
+          </a:p>
+          <a:p>
+            <a:pPr lvl="1"/>
+            <a:r>
+              <a:rPr lang="en-US" dirty="0" smtClean="0"/>
+              <a:t>GUI</a:t>
+            </a:r>
+          </a:p>
+          <a:p>
+            <a:pPr lvl="1"/>
+            <a:r>
+              <a:rPr lang="en-US" dirty="0" smtClean="0"/>
+              <a:t>Communications</a:t>
+            </a:r>
+            <a:endParaRPr lang="en-US" dirty="0"/>
+          </a:p>
+          <a:p>
+            <a:endParaRPr lang="en-US" dirty="0"/>
+          </a:p>
+        </p:txBody>
+      </p:sp>
+    </p:spTree>
+    <p:extLst>
+      <p:ext uri="{BB962C8B-B14F-4D97-AF65-F5344CB8AC3E}">
+        <p14:creationId xmlns:p14="http://schemas.microsoft.com/office/powerpoint/2010/main" val="4055735065"/>
       </p:ext>
     </p:extLst>
   </p:cSld>
